--- a/replication/my_replication/Presentation1.pptx
+++ b/replication/my_replication/Presentation1.pptx
@@ -10,14 +10,14 @@
     <p:sldId id="258" r:id="rId4"/>
     <p:sldId id="259" r:id="rId5"/>
     <p:sldId id="260" r:id="rId6"/>
-    <p:sldId id="261" r:id="rId7"/>
-    <p:sldId id="262" r:id="rId8"/>
-    <p:sldId id="263" r:id="rId9"/>
-    <p:sldId id="264" r:id="rId10"/>
-    <p:sldId id="265" r:id="rId11"/>
-    <p:sldId id="266" r:id="rId12"/>
-    <p:sldId id="267" r:id="rId13"/>
-    <p:sldId id="270" r:id="rId14"/>
+    <p:sldId id="270" r:id="rId7"/>
+    <p:sldId id="261" r:id="rId8"/>
+    <p:sldId id="262" r:id="rId9"/>
+    <p:sldId id="263" r:id="rId10"/>
+    <p:sldId id="264" r:id="rId11"/>
+    <p:sldId id="265" r:id="rId12"/>
+    <p:sldId id="266" r:id="rId13"/>
+    <p:sldId id="267" r:id="rId14"/>
     <p:sldId id="273" r:id="rId15"/>
     <p:sldId id="274" r:id="rId16"/>
     <p:sldId id="275" r:id="rId17"/>
@@ -277,7 +277,7 @@
           <a:p>
             <a:fld id="{B44E5BB4-05C5-8446-8CC6-775CA13749B6}" type="datetimeFigureOut">
               <a:rPr lang="en-PK" smtClean="0"/>
-              <a:t>31/03/2024</a:t>
+              <a:t>11/04/2024</a:t>
             </a:fld>
             <a:endParaRPr lang="en-PK"/>
           </a:p>
@@ -477,7 +477,7 @@
           <a:p>
             <a:fld id="{B44E5BB4-05C5-8446-8CC6-775CA13749B6}" type="datetimeFigureOut">
               <a:rPr lang="en-PK" smtClean="0"/>
-              <a:t>31/03/2024</a:t>
+              <a:t>11/04/2024</a:t>
             </a:fld>
             <a:endParaRPr lang="en-PK"/>
           </a:p>
@@ -687,7 +687,7 @@
           <a:p>
             <a:fld id="{B44E5BB4-05C5-8446-8CC6-775CA13749B6}" type="datetimeFigureOut">
               <a:rPr lang="en-PK" smtClean="0"/>
-              <a:t>31/03/2024</a:t>
+              <a:t>11/04/2024</a:t>
             </a:fld>
             <a:endParaRPr lang="en-PK"/>
           </a:p>
@@ -887,7 +887,7 @@
           <a:p>
             <a:fld id="{B44E5BB4-05C5-8446-8CC6-775CA13749B6}" type="datetimeFigureOut">
               <a:rPr lang="en-PK" smtClean="0"/>
-              <a:t>31/03/2024</a:t>
+              <a:t>11/04/2024</a:t>
             </a:fld>
             <a:endParaRPr lang="en-PK"/>
           </a:p>
@@ -1163,7 +1163,7 @@
           <a:p>
             <a:fld id="{B44E5BB4-05C5-8446-8CC6-775CA13749B6}" type="datetimeFigureOut">
               <a:rPr lang="en-PK" smtClean="0"/>
-              <a:t>31/03/2024</a:t>
+              <a:t>11/04/2024</a:t>
             </a:fld>
             <a:endParaRPr lang="en-PK"/>
           </a:p>
@@ -1431,7 +1431,7 @@
           <a:p>
             <a:fld id="{B44E5BB4-05C5-8446-8CC6-775CA13749B6}" type="datetimeFigureOut">
               <a:rPr lang="en-PK" smtClean="0"/>
-              <a:t>31/03/2024</a:t>
+              <a:t>11/04/2024</a:t>
             </a:fld>
             <a:endParaRPr lang="en-PK"/>
           </a:p>
@@ -1846,7 +1846,7 @@
           <a:p>
             <a:fld id="{B44E5BB4-05C5-8446-8CC6-775CA13749B6}" type="datetimeFigureOut">
               <a:rPr lang="en-PK" smtClean="0"/>
-              <a:t>31/03/2024</a:t>
+              <a:t>11/04/2024</a:t>
             </a:fld>
             <a:endParaRPr lang="en-PK"/>
           </a:p>
@@ -1988,7 +1988,7 @@
           <a:p>
             <a:fld id="{B44E5BB4-05C5-8446-8CC6-775CA13749B6}" type="datetimeFigureOut">
               <a:rPr lang="en-PK" smtClean="0"/>
-              <a:t>31/03/2024</a:t>
+              <a:t>11/04/2024</a:t>
             </a:fld>
             <a:endParaRPr lang="en-PK"/>
           </a:p>
@@ -2101,7 +2101,7 @@
           <a:p>
             <a:fld id="{B44E5BB4-05C5-8446-8CC6-775CA13749B6}" type="datetimeFigureOut">
               <a:rPr lang="en-PK" smtClean="0"/>
-              <a:t>31/03/2024</a:t>
+              <a:t>11/04/2024</a:t>
             </a:fld>
             <a:endParaRPr lang="en-PK"/>
           </a:p>
@@ -2414,7 +2414,7 @@
           <a:p>
             <a:fld id="{B44E5BB4-05C5-8446-8CC6-775CA13749B6}" type="datetimeFigureOut">
               <a:rPr lang="en-PK" smtClean="0"/>
-              <a:t>31/03/2024</a:t>
+              <a:t>11/04/2024</a:t>
             </a:fld>
             <a:endParaRPr lang="en-PK"/>
           </a:p>
@@ -2703,7 +2703,7 @@
           <a:p>
             <a:fld id="{B44E5BB4-05C5-8446-8CC6-775CA13749B6}" type="datetimeFigureOut">
               <a:rPr lang="en-PK" smtClean="0"/>
-              <a:t>31/03/2024</a:t>
+              <a:t>11/04/2024</a:t>
             </a:fld>
             <a:endParaRPr lang="en-PK"/>
           </a:p>
@@ -2946,7 +2946,7 @@
           <a:p>
             <a:fld id="{B44E5BB4-05C5-8446-8CC6-775CA13749B6}" type="datetimeFigureOut">
               <a:rPr lang="en-PK" smtClean="0"/>
-              <a:t>31/03/2024</a:t>
+              <a:t>11/04/2024</a:t>
             </a:fld>
             <a:endParaRPr lang="en-PK"/>
           </a:p>
@@ -3425,7 +3425,7 @@
                 <a:effectLst/>
                 <a:latin typeface="Helvetica" pitchFamily="2" charset="0"/>
               </a:rPr>
-              <a:t>Replication of Murat et al. (2011) study</a:t>
+              <a:t>Replication of Murat et al. study</a:t>
             </a:r>
             <a:endParaRPr lang="en-PK" dirty="0">
               <a:latin typeface="Helvetica" pitchFamily="2" charset="0"/>
@@ -3468,7 +3468,7 @@
           <p:cNvPr id="2" name="Title 1">
             <a:extLst>
               <a:ext uri="{FF2B5EF4-FFF2-40B4-BE49-F238E27FC236}">
-                <a16:creationId xmlns:a16="http://schemas.microsoft.com/office/drawing/2014/main" id="{631DDF52-3BB0-7FFE-8E34-0D55DEB9A7DF}"/>
+                <a16:creationId xmlns:a16="http://schemas.microsoft.com/office/drawing/2014/main" id="{808FE490-C47A-150B-F34A-B1F74EAB10A9}"/>
               </a:ext>
             </a:extLst>
           </p:cNvPr>
@@ -3485,166 +3485,47 @@
           <a:lstStyle/>
           <a:p>
             <a:r>
-              <a:rPr lang="en-GB" sz="4400" dirty="0">
-                <a:effectLst/>
-                <a:latin typeface="Helvetica" pitchFamily="2" charset="0"/>
-              </a:rPr>
-              <a:t>The Iris dataset (</a:t>
-            </a:r>
-            <a:r>
-              <a:rPr lang="en-GB" sz="4400" dirty="0">
-                <a:solidFill>
-                  <a:srgbClr val="000066"/>
-                </a:solidFill>
-                <a:effectLst/>
-                <a:latin typeface="Helvetica" pitchFamily="2" charset="0"/>
-              </a:rPr>
-              <a:t>Fisher, 1936</a:t>
-            </a:r>
-            <a:r>
-              <a:rPr lang="en-GB" sz="4400" dirty="0">
-                <a:effectLst/>
-                <a:latin typeface="Helvetica" pitchFamily="2" charset="0"/>
-              </a:rPr>
-              <a:t>)</a:t>
-            </a:r>
-            <a:endParaRPr lang="en-PK" dirty="0"/>
-          </a:p>
-        </p:txBody>
-      </p:sp>
-      <p:sp>
-        <p:nvSpPr>
-          <p:cNvPr id="3" name="Content Placeholder 2">
-            <a:extLst>
-              <a:ext uri="{FF2B5EF4-FFF2-40B4-BE49-F238E27FC236}">
-                <a16:creationId xmlns:a16="http://schemas.microsoft.com/office/drawing/2014/main" id="{EC4A73FA-EE50-877D-02FA-0AE038CA9661}"/>
-              </a:ext>
-            </a:extLst>
-          </p:cNvPr>
-          <p:cNvSpPr>
-            <a:spLocks noGrp="1"/>
-          </p:cNvSpPr>
+              <a:rPr lang="en-PK" dirty="0">
+                <a:latin typeface="Helvetica" pitchFamily="2" charset="0"/>
+              </a:rPr>
+              <a:t>Second Axis</a:t>
+            </a:r>
+          </a:p>
+        </p:txBody>
+      </p:sp>
+      <p:pic>
+        <p:nvPicPr>
+          <p:cNvPr id="5" name="Content Placeholder 4">
+            <a:extLst>
+              <a:ext uri="{FF2B5EF4-FFF2-40B4-BE49-F238E27FC236}">
+                <a16:creationId xmlns:a16="http://schemas.microsoft.com/office/drawing/2014/main" id="{B63A8244-1889-A275-CB67-8AAD976438D4}"/>
+              </a:ext>
+            </a:extLst>
+          </p:cNvPr>
+          <p:cNvPicPr>
+            <a:picLocks noGrp="1" noChangeAspect="1"/>
+          </p:cNvPicPr>
           <p:nvPr>
             <p:ph idx="1"/>
           </p:nvPr>
-        </p:nvSpPr>
-        <p:spPr/>
-        <p:txBody>
-          <a:bodyPr>
-            <a:normAutofit/>
-          </a:bodyPr>
-          <a:lstStyle/>
-          <a:p>
-            <a:endParaRPr lang="en-GB" sz="2400" dirty="0">
-              <a:effectLst/>
-              <a:latin typeface="Helvetica" pitchFamily="2" charset="0"/>
-            </a:endParaRPr>
-          </a:p>
-          <a:p>
-            <a:pPr marL="0" indent="0">
-              <a:buNone/>
-            </a:pPr>
-            <a:r>
-              <a:rPr lang="en-GB" sz="2400" dirty="0">
-                <a:latin typeface="Helvetica" pitchFamily="2" charset="0"/>
-              </a:rPr>
-              <a:t>S</a:t>
-            </a:r>
-            <a:r>
-              <a:rPr lang="en-GB" sz="2400" dirty="0">
-                <a:effectLst/>
-                <a:latin typeface="Helvetica" pitchFamily="2" charset="0"/>
-              </a:rPr>
-              <a:t>tandard for testing clustering algorithms. </a:t>
-            </a:r>
-          </a:p>
-          <a:p>
-            <a:endParaRPr lang="en-GB" sz="2400" dirty="0">
-              <a:latin typeface="Helvetica" pitchFamily="2" charset="0"/>
-            </a:endParaRPr>
-          </a:p>
-          <a:p>
-            <a:pPr marL="0" indent="0">
-              <a:buNone/>
-            </a:pPr>
-            <a:r>
-              <a:rPr lang="en-GB" sz="2400" dirty="0">
-                <a:latin typeface="Helvetica" pitchFamily="2" charset="0"/>
-              </a:rPr>
-              <a:t>T</a:t>
-            </a:r>
-            <a:r>
-              <a:rPr lang="en-GB" sz="2400" dirty="0">
-                <a:effectLst/>
-                <a:latin typeface="Helvetica" pitchFamily="2" charset="0"/>
-              </a:rPr>
-              <a:t>hree classes that represents three different varieties of Iris flowers namely (I) Iris </a:t>
-            </a:r>
-            <a:r>
-              <a:rPr lang="en-GB" sz="2400" dirty="0" err="1">
-                <a:effectLst/>
-                <a:latin typeface="Helvetica" pitchFamily="2" charset="0"/>
-              </a:rPr>
-              <a:t>setosa</a:t>
-            </a:r>
-            <a:r>
-              <a:rPr lang="en-GB" sz="2400" dirty="0">
-                <a:effectLst/>
-                <a:latin typeface="Helvetica" pitchFamily="2" charset="0"/>
-              </a:rPr>
-              <a:t> (II) Iris versicolor and Iris virginica (III). </a:t>
-            </a:r>
-          </a:p>
-          <a:p>
-            <a:endParaRPr lang="en-GB" sz="2400" dirty="0">
-              <a:effectLst/>
-              <a:latin typeface="Helvetica" pitchFamily="2" charset="0"/>
-            </a:endParaRPr>
-          </a:p>
-          <a:p>
-            <a:pPr marL="0" indent="0">
-              <a:buNone/>
-            </a:pPr>
-            <a:r>
-              <a:rPr lang="en-GB" sz="2400" dirty="0">
-                <a:effectLst/>
-                <a:latin typeface="Helvetica" pitchFamily="2" charset="0"/>
-              </a:rPr>
-              <a:t>150 samples (Fifty samples were obtained from each of the three classes) </a:t>
-            </a:r>
-          </a:p>
-          <a:p>
-            <a:endParaRPr lang="en-GB" sz="2400" dirty="0">
-              <a:effectLst/>
-              <a:latin typeface="Helvetica" pitchFamily="2" charset="0"/>
-            </a:endParaRPr>
-          </a:p>
-          <a:p>
-            <a:pPr marL="0" indent="0">
-              <a:buNone/>
-            </a:pPr>
-            <a:r>
-              <a:rPr lang="en-GB" sz="2400" dirty="0">
-                <a:effectLst/>
-                <a:latin typeface="Helvetica" pitchFamily="2" charset="0"/>
-              </a:rPr>
-              <a:t>Four attributes viz sepal length, sepal width, petal length and petal width. </a:t>
-            </a:r>
-            <a:endParaRPr lang="en-GB" sz="2400" dirty="0">
-              <a:latin typeface="Helvetica" pitchFamily="2" charset="0"/>
-            </a:endParaRPr>
-          </a:p>
-          <a:p>
-            <a:endParaRPr lang="en-PK" sz="2400" dirty="0">
-              <a:latin typeface="Helvetica" pitchFamily="2" charset="0"/>
-            </a:endParaRPr>
-          </a:p>
-        </p:txBody>
-      </p:sp>
+        </p:nvPicPr>
+        <p:blipFill>
+          <a:blip r:embed="rId2"/>
+          <a:stretch>
+            <a:fillRect/>
+          </a:stretch>
+        </p:blipFill>
+        <p:spPr>
+          <a:xfrm>
+            <a:off x="2335427" y="1825625"/>
+            <a:ext cx="6820930" cy="4351338"/>
+          </a:xfrm>
+        </p:spPr>
+      </p:pic>
     </p:spTree>
     <p:extLst>
       <p:ext uri="{BB962C8B-B14F-4D97-AF65-F5344CB8AC3E}">
-        <p14:creationId xmlns:p14="http://schemas.microsoft.com/office/powerpoint/2010/main" val="3977842356"/>
+        <p14:creationId xmlns:p14="http://schemas.microsoft.com/office/powerpoint/2010/main" val="3697007121"/>
       </p:ext>
     </p:extLst>
   </p:cSld>
@@ -3676,7 +3557,7 @@
           <p:cNvPr id="2" name="Title 1">
             <a:extLst>
               <a:ext uri="{FF2B5EF4-FFF2-40B4-BE49-F238E27FC236}">
-                <a16:creationId xmlns:a16="http://schemas.microsoft.com/office/drawing/2014/main" id="{201B2443-6DB8-0BF3-4CAF-6EC0FDA1B779}"/>
+                <a16:creationId xmlns:a16="http://schemas.microsoft.com/office/drawing/2014/main" id="{631DDF52-3BB0-7FFE-8E34-0D55DEB9A7DF}"/>
               </a:ext>
             </a:extLst>
           </p:cNvPr>
@@ -3689,61 +3570,60 @@
         </p:nvSpPr>
         <p:spPr/>
         <p:txBody>
+          <a:bodyPr/>
+          <a:lstStyle/>
+          <a:p>
+            <a:r>
+              <a:rPr lang="en-GB" sz="4400" dirty="0">
+                <a:effectLst/>
+                <a:latin typeface="Helvetica" pitchFamily="2" charset="0"/>
+              </a:rPr>
+              <a:t>The Iris dataset (</a:t>
+            </a:r>
+            <a:r>
+              <a:rPr lang="en-GB" sz="4400" dirty="0">
+                <a:solidFill>
+                  <a:srgbClr val="000066"/>
+                </a:solidFill>
+                <a:effectLst/>
+                <a:latin typeface="Helvetica" pitchFamily="2" charset="0"/>
+              </a:rPr>
+              <a:t>Fisher, 1936</a:t>
+            </a:r>
+            <a:r>
+              <a:rPr lang="en-GB" sz="4400" dirty="0">
+                <a:effectLst/>
+                <a:latin typeface="Helvetica" pitchFamily="2" charset="0"/>
+              </a:rPr>
+              <a:t>)</a:t>
+            </a:r>
+            <a:endParaRPr lang="en-PK" dirty="0"/>
+          </a:p>
+        </p:txBody>
+      </p:sp>
+      <p:sp>
+        <p:nvSpPr>
+          <p:cNvPr id="3" name="Content Placeholder 2">
+            <a:extLst>
+              <a:ext uri="{FF2B5EF4-FFF2-40B4-BE49-F238E27FC236}">
+                <a16:creationId xmlns:a16="http://schemas.microsoft.com/office/drawing/2014/main" id="{EC4A73FA-EE50-877D-02FA-0AE038CA9661}"/>
+              </a:ext>
+            </a:extLst>
+          </p:cNvPr>
+          <p:cNvSpPr>
+            <a:spLocks noGrp="1"/>
+          </p:cNvSpPr>
+          <p:nvPr>
+            <p:ph idx="1"/>
+          </p:nvPr>
+        </p:nvSpPr>
+        <p:spPr/>
+        <p:txBody>
           <a:bodyPr>
-            <a:noAutofit/>
+            <a:normAutofit/>
           </a:bodyPr>
           <a:lstStyle/>
           <a:p>
-            <a:br>
-              <a:rPr lang="en-GB" dirty="0">
-                <a:effectLst/>
-                <a:latin typeface="Helvetica" pitchFamily="2" charset="0"/>
-              </a:rPr>
-            </a:br>
-            <a:r>
-              <a:rPr lang="en-GB" dirty="0">
-                <a:effectLst/>
-                <a:latin typeface="Helvetica" pitchFamily="2" charset="0"/>
-              </a:rPr>
-              <a:t>Other datasets</a:t>
-            </a:r>
-            <a:br>
-              <a:rPr lang="en-GB" dirty="0">
-                <a:latin typeface="Helvetica" pitchFamily="2" charset="0"/>
-              </a:rPr>
-            </a:br>
-            <a:endParaRPr lang="en-PK" dirty="0">
-              <a:latin typeface="Helvetica" pitchFamily="2" charset="0"/>
-            </a:endParaRPr>
-          </a:p>
-        </p:txBody>
-      </p:sp>
-      <p:sp>
-        <p:nvSpPr>
-          <p:cNvPr id="3" name="Content Placeholder 2">
-            <a:extLst>
-              <a:ext uri="{FF2B5EF4-FFF2-40B4-BE49-F238E27FC236}">
-                <a16:creationId xmlns:a16="http://schemas.microsoft.com/office/drawing/2014/main" id="{A5961CA2-D6AF-680C-3FE1-65D4070A27AB}"/>
-              </a:ext>
-            </a:extLst>
-          </p:cNvPr>
-          <p:cNvSpPr>
-            <a:spLocks noGrp="1"/>
-          </p:cNvSpPr>
-          <p:nvPr>
-            <p:ph idx="1"/>
-          </p:nvPr>
-        </p:nvSpPr>
-        <p:spPr/>
-        <p:txBody>
-          <a:bodyPr>
-            <a:noAutofit/>
-          </a:bodyPr>
-          <a:lstStyle/>
-          <a:p>
-            <a:pPr marL="0" indent="0">
-              <a:buNone/>
-            </a:pPr>
             <a:endParaRPr lang="en-GB" sz="2400" dirty="0">
               <a:effectLst/>
               <a:latin typeface="Helvetica" pitchFamily="2" charset="0"/>
@@ -3755,58 +3635,16 @@
             </a:pPr>
             <a:r>
               <a:rPr lang="en-GB" sz="2400" dirty="0">
-                <a:effectLst/>
-                <a:latin typeface="Helvetica" pitchFamily="2" charset="0"/>
-              </a:rPr>
-              <a:t>The Wine dataset: </a:t>
-            </a:r>
-          </a:p>
-          <a:p>
-            <a:pPr marL="457200" lvl="1" indent="0">
-              <a:buNone/>
-            </a:pPr>
-            <a:r>
-              <a:rPr lang="en-GB" sz="2000" dirty="0">
-                <a:effectLst/>
-                <a:latin typeface="Helvetica" pitchFamily="2" charset="0"/>
-              </a:rPr>
-              <a:t>Chemical analysis of wines </a:t>
-            </a:r>
-            <a:endParaRPr lang="en-GB" sz="2000" dirty="0">
-              <a:latin typeface="Helvetica" pitchFamily="2" charset="0"/>
-            </a:endParaRPr>
-          </a:p>
-          <a:p>
-            <a:pPr marL="457200" lvl="1" indent="0">
-              <a:buNone/>
-            </a:pPr>
-            <a:r>
-              <a:rPr lang="en-GB" sz="2000" dirty="0">
-                <a:latin typeface="Helvetica" pitchFamily="2" charset="0"/>
-              </a:rPr>
-              <a:t>D</a:t>
-            </a:r>
-            <a:r>
-              <a:rPr lang="en-GB" sz="2000" dirty="0">
-                <a:effectLst/>
-                <a:latin typeface="Helvetica" pitchFamily="2" charset="0"/>
-              </a:rPr>
-              <a:t>erived from three different cultivars. </a:t>
-            </a:r>
-            <a:endParaRPr lang="en-GB" sz="2000" dirty="0">
-              <a:latin typeface="Helvetica" pitchFamily="2" charset="0"/>
-            </a:endParaRPr>
-          </a:p>
-          <a:p>
-            <a:pPr marL="457200" lvl="1" indent="0">
-              <a:buNone/>
-            </a:pPr>
-            <a:r>
-              <a:rPr lang="en-GB" sz="2000" dirty="0">
-                <a:effectLst/>
-                <a:latin typeface="Helvetica" pitchFamily="2" charset="0"/>
-              </a:rPr>
-              <a:t>Total 178 instances (59, 71 and 48 in class I, class II and class III respectively). </a:t>
+                <a:latin typeface="Helvetica" pitchFamily="2" charset="0"/>
+              </a:rPr>
+              <a:t>S</a:t>
+            </a:r>
+            <a:r>
+              <a:rPr lang="en-GB" sz="2400" dirty="0">
+                <a:effectLst/>
+                <a:latin typeface="Helvetica" pitchFamily="2" charset="0"/>
+              </a:rPr>
+              <a:t>tandard for testing clustering algorithms. </a:t>
             </a:r>
           </a:p>
           <a:p>
@@ -3829,39 +3667,26 @@
                 <a:effectLst/>
                 <a:latin typeface="Helvetica" pitchFamily="2" charset="0"/>
               </a:rPr>
-              <a:t>he letter image recognition data:</a:t>
-            </a:r>
-          </a:p>
-          <a:p>
-            <a:pPr marL="457200" lvl="1" indent="0">
-              <a:buNone/>
-            </a:pPr>
-            <a:r>
-              <a:rPr lang="en-GB" sz="2000" dirty="0">
-                <a:latin typeface="Helvetica" pitchFamily="2" charset="0"/>
-              </a:rPr>
-              <a:t>I</a:t>
-            </a:r>
-            <a:r>
-              <a:rPr lang="en-GB" sz="2000" dirty="0">
-                <a:effectLst/>
-                <a:latin typeface="Helvetica" pitchFamily="2" charset="0"/>
-              </a:rPr>
-              <a:t>dentify black-and-white rectangular pixel displays as one of the 26 capital letters in the English alphabet. </a:t>
-            </a:r>
-          </a:p>
-          <a:p>
-            <a:pPr marL="457200" lvl="1" indent="0">
-              <a:buNone/>
-            </a:pPr>
-            <a:r>
-              <a:rPr lang="en-GB" sz="2000" dirty="0">
-                <a:effectLst/>
-                <a:latin typeface="Helvetica" pitchFamily="2" charset="0"/>
-              </a:rPr>
-              <a:t>789 patterns of letter A and 805 patterns of letter D from the dataset </a:t>
-            </a:r>
-            <a:endParaRPr lang="en-GB" sz="2000" dirty="0">
+              <a:t>hree classes that represents three different varieties of Iris flowers namely (I) Iris </a:t>
+            </a:r>
+            <a:r>
+              <a:rPr lang="en-GB" sz="2400" dirty="0" err="1">
+                <a:effectLst/>
+                <a:latin typeface="Helvetica" pitchFamily="2" charset="0"/>
+              </a:rPr>
+              <a:t>setosa</a:t>
+            </a:r>
+            <a:r>
+              <a:rPr lang="en-GB" sz="2400" dirty="0">
+                <a:effectLst/>
+                <a:latin typeface="Helvetica" pitchFamily="2" charset="0"/>
+              </a:rPr>
+              <a:t> (II) Iris versicolor and (III) Iris virginica. </a:t>
+            </a:r>
+          </a:p>
+          <a:p>
+            <a:endParaRPr lang="en-GB" sz="2400" dirty="0">
+              <a:effectLst/>
               <a:latin typeface="Helvetica" pitchFamily="2" charset="0"/>
             </a:endParaRPr>
           </a:p>
@@ -3869,11 +3694,31 @@
             <a:pPr marL="0" indent="0">
               <a:buNone/>
             </a:pPr>
-            <a:br>
+            <a:r>
               <a:rPr lang="en-GB" sz="2400" dirty="0">
-                <a:latin typeface="Helvetica" pitchFamily="2" charset="0"/>
-              </a:rPr>
-            </a:br>
+                <a:effectLst/>
+                <a:latin typeface="Helvetica" pitchFamily="2" charset="0"/>
+              </a:rPr>
+              <a:t>150 samples (Fifty samples were obtained from each of the three classes) </a:t>
+            </a:r>
+          </a:p>
+          <a:p>
+            <a:endParaRPr lang="en-GB" sz="2400" dirty="0">
+              <a:effectLst/>
+              <a:latin typeface="Helvetica" pitchFamily="2" charset="0"/>
+            </a:endParaRPr>
+          </a:p>
+          <a:p>
+            <a:pPr marL="0" indent="0">
+              <a:buNone/>
+            </a:pPr>
+            <a:r>
+              <a:rPr lang="en-GB" sz="2400" dirty="0">
+                <a:effectLst/>
+                <a:latin typeface="Helvetica" pitchFamily="2" charset="0"/>
+              </a:rPr>
+              <a:t>Four attributes viz sepal length, sepal width, petal length and petal width. </a:t>
+            </a:r>
             <a:endParaRPr lang="en-GB" sz="2400" dirty="0">
               <a:latin typeface="Helvetica" pitchFamily="2" charset="0"/>
             </a:endParaRPr>
@@ -3888,7 +3733,7 @@
     </p:spTree>
     <p:extLst>
       <p:ext uri="{BB962C8B-B14F-4D97-AF65-F5344CB8AC3E}">
-        <p14:creationId xmlns:p14="http://schemas.microsoft.com/office/powerpoint/2010/main" val="832531945"/>
+        <p14:creationId xmlns:p14="http://schemas.microsoft.com/office/powerpoint/2010/main" val="3977842356"/>
       </p:ext>
     </p:extLst>
   </p:cSld>
@@ -3920,7 +3765,7 @@
           <p:cNvPr id="2" name="Title 1">
             <a:extLst>
               <a:ext uri="{FF2B5EF4-FFF2-40B4-BE49-F238E27FC236}">
-                <a16:creationId xmlns:a16="http://schemas.microsoft.com/office/drawing/2014/main" id="{DC73EF59-9417-1071-8EF8-5B524A8455C7}"/>
+                <a16:creationId xmlns:a16="http://schemas.microsoft.com/office/drawing/2014/main" id="{201B2443-6DB8-0BF3-4CAF-6EC0FDA1B779}"/>
               </a:ext>
             </a:extLst>
           </p:cNvPr>
@@ -3956,7 +3801,9 @@
                 <a:latin typeface="Helvetica" pitchFamily="2" charset="0"/>
               </a:rPr>
             </a:br>
-            <a:endParaRPr lang="en-PK" dirty="0"/>
+            <a:endParaRPr lang="en-PK" dirty="0">
+              <a:latin typeface="Helvetica" pitchFamily="2" charset="0"/>
+            </a:endParaRPr>
           </a:p>
         </p:txBody>
       </p:sp>
@@ -3965,7 +3812,7 @@
           <p:cNvPr id="3" name="Content Placeholder 2">
             <a:extLst>
               <a:ext uri="{FF2B5EF4-FFF2-40B4-BE49-F238E27FC236}">
-                <a16:creationId xmlns:a16="http://schemas.microsoft.com/office/drawing/2014/main" id="{CF40C961-D47F-3E40-5D38-0D0E86357575}"/>
+                <a16:creationId xmlns:a16="http://schemas.microsoft.com/office/drawing/2014/main" id="{A5961CA2-D6AF-680C-3FE1-65D4070A27AB}"/>
               </a:ext>
             </a:extLst>
           </p:cNvPr>
@@ -4000,48 +3847,7 @@
                 <a:effectLst/>
                 <a:latin typeface="Helvetica" pitchFamily="2" charset="0"/>
               </a:rPr>
-              <a:t>The </a:t>
-            </a:r>
-            <a:r>
-              <a:rPr lang="en-GB" sz="2400" dirty="0" err="1">
-                <a:effectLst/>
-                <a:latin typeface="Helvetica" pitchFamily="2" charset="0"/>
-              </a:rPr>
-              <a:t>Ruspini</a:t>
-            </a:r>
-            <a:r>
-              <a:rPr lang="en-GB" sz="2400" dirty="0">
-                <a:effectLst/>
-                <a:latin typeface="Helvetica" pitchFamily="2" charset="0"/>
-              </a:rPr>
-              <a:t> dataset (</a:t>
-            </a:r>
-            <a:r>
-              <a:rPr lang="en-GB" sz="2400" dirty="0" err="1">
-                <a:solidFill>
-                  <a:srgbClr val="000066"/>
-                </a:solidFill>
-                <a:effectLst/>
-                <a:latin typeface="Helvetica" pitchFamily="2" charset="0"/>
-              </a:rPr>
-              <a:t>Ruspine</a:t>
-            </a:r>
-            <a:r>
-              <a:rPr lang="en-GB" sz="2400" dirty="0">
-                <a:solidFill>
-                  <a:srgbClr val="000066"/>
-                </a:solidFill>
-                <a:effectLst/>
-                <a:latin typeface="Helvetica" pitchFamily="2" charset="0"/>
-              </a:rPr>
-              <a:t>, 1970</a:t>
-            </a:r>
-            <a:r>
-              <a:rPr lang="en-GB" sz="2400" dirty="0">
-                <a:effectLst/>
-                <a:latin typeface="Helvetica" pitchFamily="2" charset="0"/>
-              </a:rPr>
-              <a:t>):</a:t>
+              <a:t>The Wine dataset: </a:t>
             </a:r>
           </a:p>
           <a:p>
@@ -4053,118 +3859,105 @@
                 <a:effectLst/>
                 <a:latin typeface="Helvetica" pitchFamily="2" charset="0"/>
               </a:rPr>
-              <a:t>75 observations on two variables making up four natural groups including 23, 20, 17 and 15 entities in classes I, II, III and IV respectively. </a:t>
+              <a:t>Chemical analysis of wines </a:t>
             </a:r>
             <a:endParaRPr lang="en-GB" sz="2000" dirty="0">
               <a:latin typeface="Helvetica" pitchFamily="2" charset="0"/>
             </a:endParaRPr>
           </a:p>
           <a:p>
-            <a:endParaRPr lang="en-PK" sz="2400" dirty="0">
-              <a:latin typeface="Helvetica" pitchFamily="2" charset="0"/>
-            </a:endParaRPr>
-          </a:p>
-          <a:p>
-            <a:pPr marL="0" indent="0">
+            <a:pPr marL="457200" lvl="1" indent="0">
               <a:buNone/>
             </a:pPr>
             <a:r>
-              <a:rPr lang="en-GB" sz="2400" dirty="0">
-                <a:effectLst/>
-                <a:latin typeface="Helvetica" pitchFamily="2" charset="0"/>
-              </a:rPr>
-              <a:t>The </a:t>
-            </a:r>
-            <a:r>
-              <a:rPr lang="en-GB" sz="2400" dirty="0" err="1">
-                <a:effectLst/>
-                <a:latin typeface="Helvetica" pitchFamily="2" charset="0"/>
-              </a:rPr>
-              <a:t>Spambase</a:t>
-            </a:r>
-            <a:r>
-              <a:rPr lang="en-GB" sz="2400" dirty="0">
-                <a:effectLst/>
-                <a:latin typeface="Helvetica" pitchFamily="2" charset="0"/>
-              </a:rPr>
-              <a:t> dataset (</a:t>
-            </a:r>
-            <a:r>
-              <a:rPr lang="en-GB" sz="2400" dirty="0">
-                <a:solidFill>
-                  <a:srgbClr val="000066"/>
-                </a:solidFill>
-                <a:effectLst/>
-                <a:latin typeface="Helvetica" pitchFamily="2" charset="0"/>
-              </a:rPr>
-              <a:t>Arthur and </a:t>
-            </a:r>
-            <a:r>
-              <a:rPr lang="en-GB" sz="2400" dirty="0" err="1">
-                <a:solidFill>
-                  <a:srgbClr val="000066"/>
-                </a:solidFill>
-                <a:effectLst/>
-                <a:latin typeface="Helvetica" pitchFamily="2" charset="0"/>
-              </a:rPr>
-              <a:t>Vassilvitskii</a:t>
-            </a:r>
-            <a:r>
-              <a:rPr lang="en-GB" sz="2400" dirty="0">
-                <a:solidFill>
-                  <a:srgbClr val="000066"/>
-                </a:solidFill>
-                <a:effectLst/>
-                <a:latin typeface="Helvetica" pitchFamily="2" charset="0"/>
-              </a:rPr>
-              <a:t>, 2006</a:t>
-            </a:r>
-            <a:r>
-              <a:rPr lang="en-GB" sz="2400" dirty="0">
-                <a:effectLst/>
-                <a:latin typeface="Helvetica" pitchFamily="2" charset="0"/>
-              </a:rPr>
-              <a:t>): </a:t>
-            </a:r>
-          </a:p>
-          <a:p>
-            <a:pPr lvl="1"/>
-            <a:r>
               <a:rPr lang="en-GB" sz="2000" dirty="0">
                 <a:latin typeface="Helvetica" pitchFamily="2" charset="0"/>
               </a:rPr>
-              <a:t>R</a:t>
+              <a:t>D</a:t>
             </a:r>
             <a:r>
               <a:rPr lang="en-GB" sz="2000" dirty="0">
                 <a:effectLst/>
                 <a:latin typeface="Helvetica" pitchFamily="2" charset="0"/>
               </a:rPr>
-              <a:t>epresent features available to an e-mail spam detection system</a:t>
-            </a:r>
-          </a:p>
-          <a:p>
-            <a:pPr lvl="1"/>
-            <a:r>
-              <a:rPr lang="en-GB" sz="2000" dirty="0">
-                <a:effectLst/>
-                <a:latin typeface="Helvetica" pitchFamily="2" charset="0"/>
-              </a:rPr>
-              <a:t>4601 data points (1813 and 2788 points in spam and non-spam classes respectively).</a:t>
+              <a:t>erived from three different cultivars. </a:t>
             </a:r>
             <a:endParaRPr lang="en-GB" sz="2000" dirty="0">
               <a:latin typeface="Helvetica" pitchFamily="2" charset="0"/>
             </a:endParaRPr>
           </a:p>
           <a:p>
+            <a:pPr marL="457200" lvl="1" indent="0">
+              <a:buNone/>
+            </a:pPr>
+            <a:r>
+              <a:rPr lang="en-GB" sz="2000" dirty="0">
+                <a:effectLst/>
+                <a:latin typeface="Helvetica" pitchFamily="2" charset="0"/>
+              </a:rPr>
+              <a:t>Total 178 instances (59, 71 and 48 in class I, class II and class III respectively). </a:t>
+            </a:r>
+          </a:p>
+          <a:p>
+            <a:endParaRPr lang="en-GB" sz="2400" dirty="0">
+              <a:latin typeface="Helvetica" pitchFamily="2" charset="0"/>
+            </a:endParaRPr>
+          </a:p>
+          <a:p>
             <a:pPr marL="0" indent="0">
               <a:buNone/>
             </a:pPr>
-            <a:br>
+            <a:r>
               <a:rPr lang="en-GB" sz="2400" dirty="0">
                 <a:latin typeface="Helvetica" pitchFamily="2" charset="0"/>
               </a:rPr>
-            </a:br>
+              <a:t>T</a:t>
+            </a:r>
+            <a:r>
+              <a:rPr lang="en-GB" sz="2400" dirty="0">
+                <a:effectLst/>
+                <a:latin typeface="Helvetica" pitchFamily="2" charset="0"/>
+              </a:rPr>
+              <a:t>he letter image recognition data:</a:t>
+            </a:r>
+          </a:p>
+          <a:p>
+            <a:pPr marL="457200" lvl="1" indent="0">
+              <a:buNone/>
+            </a:pPr>
+            <a:r>
+              <a:rPr lang="en-GB" sz="2000" dirty="0">
+                <a:latin typeface="Helvetica" pitchFamily="2" charset="0"/>
+              </a:rPr>
+              <a:t>I</a:t>
+            </a:r>
+            <a:r>
+              <a:rPr lang="en-GB" sz="2000" dirty="0">
+                <a:effectLst/>
+                <a:latin typeface="Helvetica" pitchFamily="2" charset="0"/>
+              </a:rPr>
+              <a:t>dentify black-and-white rectangular pixel displays as one of the 26 capital letters in the English alphabet. </a:t>
+            </a:r>
+          </a:p>
+          <a:p>
+            <a:pPr marL="457200" lvl="1" indent="0">
+              <a:buNone/>
+            </a:pPr>
+            <a:r>
+              <a:rPr lang="en-GB" sz="2000" dirty="0">
+                <a:effectLst/>
+                <a:latin typeface="Helvetica" pitchFamily="2" charset="0"/>
+              </a:rPr>
+              <a:t>789 patterns of letter A and 805 patterns of letter D from the dataset </a:t>
+            </a:r>
+            <a:endParaRPr lang="en-GB" sz="2000" dirty="0">
+              <a:latin typeface="Helvetica" pitchFamily="2" charset="0"/>
+            </a:endParaRPr>
+          </a:p>
+          <a:p>
+            <a:pPr marL="0" indent="0">
+              <a:buNone/>
+            </a:pPr>
             <a:br>
               <a:rPr lang="en-GB" sz="2400" dirty="0">
                 <a:latin typeface="Helvetica" pitchFamily="2" charset="0"/>
@@ -4184,7 +3977,7 @@
     </p:spTree>
     <p:extLst>
       <p:ext uri="{BB962C8B-B14F-4D97-AF65-F5344CB8AC3E}">
-        <p14:creationId xmlns:p14="http://schemas.microsoft.com/office/powerpoint/2010/main" val="4239542753"/>
+        <p14:creationId xmlns:p14="http://schemas.microsoft.com/office/powerpoint/2010/main" val="832531945"/>
       </p:ext>
     </p:extLst>
   </p:cSld>
@@ -4216,7 +4009,7 @@
           <p:cNvPr id="2" name="Title 1">
             <a:extLst>
               <a:ext uri="{FF2B5EF4-FFF2-40B4-BE49-F238E27FC236}">
-                <a16:creationId xmlns:a16="http://schemas.microsoft.com/office/drawing/2014/main" id="{89E1AAB2-AAFF-60E4-7CDD-15CE5A233064}"/>
+                <a16:creationId xmlns:a16="http://schemas.microsoft.com/office/drawing/2014/main" id="{DC73EF59-9417-1071-8EF8-5B524A8455C7}"/>
               </a:ext>
             </a:extLst>
           </p:cNvPr>
@@ -4229,19 +4022,30 @@
         </p:nvSpPr>
         <p:spPr/>
         <p:txBody>
-          <a:bodyPr/>
-          <a:lstStyle/>
-          <a:p>
-            <a:r>
-              <a:rPr lang="en-GB" i="0" dirty="0">
-                <a:effectLst/>
-                <a:latin typeface="Helvetica" pitchFamily="2" charset="0"/>
-              </a:rPr>
-              <a:t>Assessment Metrics</a:t>
-            </a:r>
-            <a:endParaRPr lang="en-PK" dirty="0">
-              <a:latin typeface="Helvetica" pitchFamily="2" charset="0"/>
-            </a:endParaRPr>
+          <a:bodyPr>
+            <a:noAutofit/>
+          </a:bodyPr>
+          <a:lstStyle/>
+          <a:p>
+            <a:br>
+              <a:rPr lang="en-GB" dirty="0">
+                <a:effectLst/>
+                <a:latin typeface="Helvetica" pitchFamily="2" charset="0"/>
+              </a:rPr>
+            </a:br>
+            <a:r>
+              <a:rPr lang="en-GB" dirty="0">
+                <a:effectLst/>
+                <a:latin typeface="Helvetica" pitchFamily="2" charset="0"/>
+              </a:rPr>
+              <a:t>Other datasets</a:t>
+            </a:r>
+            <a:br>
+              <a:rPr lang="en-GB" dirty="0">
+                <a:latin typeface="Helvetica" pitchFamily="2" charset="0"/>
+              </a:rPr>
+            </a:br>
+            <a:endParaRPr lang="en-PK" dirty="0"/>
           </a:p>
         </p:txBody>
       </p:sp>
@@ -4250,7 +4054,7 @@
           <p:cNvPr id="3" name="Content Placeholder 2">
             <a:extLst>
               <a:ext uri="{FF2B5EF4-FFF2-40B4-BE49-F238E27FC236}">
-                <a16:creationId xmlns:a16="http://schemas.microsoft.com/office/drawing/2014/main" id="{AD80B4E4-9A41-3638-0158-52419CD73955}"/>
+                <a16:creationId xmlns:a16="http://schemas.microsoft.com/office/drawing/2014/main" id="{CF40C961-D47F-3E40-5D38-0D0E86357575}"/>
               </a:ext>
             </a:extLst>
           </p:cNvPr>
@@ -4263,108 +4067,204 @@
         </p:nvSpPr>
         <p:spPr/>
         <p:txBody>
-          <a:bodyPr/>
-          <a:lstStyle/>
-          <a:p>
-            <a:pPr marL="0" indent="0" algn="l">
+          <a:bodyPr>
+            <a:noAutofit/>
+          </a:bodyPr>
+          <a:lstStyle/>
+          <a:p>
+            <a:pPr marL="0" indent="0">
               <a:buNone/>
             </a:pPr>
-            <a:endParaRPr lang="en-GB" b="1" i="0" dirty="0">
+            <a:endParaRPr lang="en-GB" sz="2400" dirty="0">
               <a:effectLst/>
               <a:latin typeface="Helvetica" pitchFamily="2" charset="0"/>
             </a:endParaRPr>
           </a:p>
           <a:p>
-            <a:pPr marL="0" indent="0" algn="l">
+            <a:pPr marL="0" indent="0">
               <a:buNone/>
             </a:pPr>
             <a:r>
-              <a:rPr lang="en-GB" b="1" i="0" dirty="0">
-                <a:effectLst/>
-                <a:latin typeface="Helvetica" pitchFamily="2" charset="0"/>
-              </a:rPr>
-              <a:t>Error Percentage:</a:t>
-            </a:r>
-            <a:r>
-              <a:rPr lang="en-GB" b="0" i="0" dirty="0">
-                <a:effectLst/>
-                <a:latin typeface="Helvetica" pitchFamily="2" charset="0"/>
-              </a:rPr>
-              <a:t> Measures the proportion of misclassified data points. Lower is better.</a:t>
-            </a:r>
-          </a:p>
-          <a:p>
-            <a:pPr algn="l">
-              <a:buFont typeface="Arial" panose="020B0604020202020204" pitchFamily="34" charset="0"/>
-              <a:buChar char="•"/>
+              <a:rPr lang="en-GB" sz="2400" dirty="0">
+                <a:effectLst/>
+                <a:latin typeface="Helvetica" pitchFamily="2" charset="0"/>
+              </a:rPr>
+              <a:t>The </a:t>
+            </a:r>
+            <a:r>
+              <a:rPr lang="en-GB" sz="2400" dirty="0" err="1">
+                <a:effectLst/>
+                <a:latin typeface="Helvetica" pitchFamily="2" charset="0"/>
+              </a:rPr>
+              <a:t>Ruspini</a:t>
+            </a:r>
+            <a:r>
+              <a:rPr lang="en-GB" sz="2400" dirty="0">
+                <a:effectLst/>
+                <a:latin typeface="Helvetica" pitchFamily="2" charset="0"/>
+              </a:rPr>
+              <a:t> dataset (</a:t>
+            </a:r>
+            <a:r>
+              <a:rPr lang="en-GB" sz="2400" dirty="0" err="1">
+                <a:solidFill>
+                  <a:srgbClr val="000066"/>
+                </a:solidFill>
+                <a:effectLst/>
+                <a:latin typeface="Helvetica" pitchFamily="2" charset="0"/>
+              </a:rPr>
+              <a:t>Ruspine</a:t>
+            </a:r>
+            <a:r>
+              <a:rPr lang="en-GB" sz="2400" dirty="0">
+                <a:solidFill>
+                  <a:srgbClr val="000066"/>
+                </a:solidFill>
+                <a:effectLst/>
+                <a:latin typeface="Helvetica" pitchFamily="2" charset="0"/>
+              </a:rPr>
+              <a:t>, 1970</a:t>
+            </a:r>
+            <a:r>
+              <a:rPr lang="en-GB" sz="2400" dirty="0">
+                <a:effectLst/>
+                <a:latin typeface="Helvetica" pitchFamily="2" charset="0"/>
+              </a:rPr>
+              <a:t>):</a:t>
+            </a:r>
+          </a:p>
+          <a:p>
+            <a:pPr marL="457200" lvl="1" indent="0">
+              <a:buNone/>
             </a:pPr>
-            <a:endParaRPr lang="en-GB" b="1" i="0" dirty="0">
-              <a:effectLst/>
+            <a:r>
+              <a:rPr lang="en-GB" sz="2000" dirty="0">
+                <a:effectLst/>
+                <a:latin typeface="Helvetica" pitchFamily="2" charset="0"/>
+              </a:rPr>
+              <a:t>75 observations on two variables making up four natural groups including 23, 20, 17 and 15 entities in classes I, II, III and IV respectively. </a:t>
+            </a:r>
+            <a:endParaRPr lang="en-GB" sz="2000" dirty="0">
               <a:latin typeface="Helvetica" pitchFamily="2" charset="0"/>
             </a:endParaRPr>
           </a:p>
           <a:p>
-            <a:pPr marL="0" indent="0" algn="l">
-              <a:buNone/>
-            </a:pPr>
-            <a:r>
-              <a:rPr lang="en-GB" b="1" i="0" dirty="0">
-                <a:effectLst/>
-                <a:latin typeface="Helvetica" pitchFamily="2" charset="0"/>
-              </a:rPr>
-              <a:t>Rand Index:</a:t>
-            </a:r>
-            <a:r>
-              <a:rPr lang="en-GB" b="0" i="0" dirty="0">
-                <a:effectLst/>
-                <a:latin typeface="Helvetica" pitchFamily="2" charset="0"/>
-              </a:rPr>
-              <a:t> Compares the agreement between created clusters and known true clusters. </a:t>
-            </a:r>
-            <a:r>
-              <a:rPr lang="en-GB" dirty="0">
-                <a:latin typeface="Helvetica" pitchFamily="2" charset="0"/>
-              </a:rPr>
-              <a:t>Higher is</a:t>
-            </a:r>
-            <a:r>
-              <a:rPr lang="en-GB" b="0" i="0" dirty="0">
-                <a:effectLst/>
-                <a:latin typeface="Helvetica" pitchFamily="2" charset="0"/>
-              </a:rPr>
-              <a:t> better.</a:t>
-            </a:r>
-          </a:p>
-          <a:p>
-            <a:pPr marL="0" indent="0" algn="l">
-              <a:buNone/>
-            </a:pPr>
-            <a:endParaRPr lang="en-GB" b="1" i="0" dirty="0">
-              <a:effectLst/>
+            <a:endParaRPr lang="en-PK" sz="2400" dirty="0">
               <a:latin typeface="Helvetica" pitchFamily="2" charset="0"/>
             </a:endParaRPr>
           </a:p>
           <a:p>
-            <a:pPr marL="0" indent="0" algn="l">
+            <a:pPr marL="0" indent="0">
               <a:buNone/>
             </a:pPr>
             <a:r>
-              <a:rPr lang="en-GB" b="1" i="0" dirty="0">
-                <a:effectLst/>
-                <a:latin typeface="Helvetica" pitchFamily="2" charset="0"/>
-              </a:rPr>
-              <a:t>Wilks' Lambda:</a:t>
-            </a:r>
-            <a:r>
-              <a:rPr lang="en-GB" b="0" i="0" dirty="0">
-                <a:effectLst/>
-                <a:latin typeface="Helvetica" pitchFamily="2" charset="0"/>
-              </a:rPr>
-              <a:t> Demonstrates the statistical distinctness of the clusters. Lower values indicate well-separated clusters.</a:t>
-            </a:r>
-          </a:p>
-          <a:p>
-            <a:endParaRPr lang="en-PK" dirty="0">
+              <a:rPr lang="en-GB" sz="2400" dirty="0">
+                <a:effectLst/>
+                <a:latin typeface="Helvetica" pitchFamily="2" charset="0"/>
+              </a:rPr>
+              <a:t>The </a:t>
+            </a:r>
+            <a:r>
+              <a:rPr lang="en-GB" sz="2400" dirty="0" err="1">
+                <a:effectLst/>
+                <a:latin typeface="Helvetica" pitchFamily="2" charset="0"/>
+              </a:rPr>
+              <a:t>Spambase</a:t>
+            </a:r>
+            <a:r>
+              <a:rPr lang="en-GB" sz="2400" dirty="0">
+                <a:effectLst/>
+                <a:latin typeface="Helvetica" pitchFamily="2" charset="0"/>
+              </a:rPr>
+              <a:t> dataset (</a:t>
+            </a:r>
+            <a:r>
+              <a:rPr lang="en-GB" sz="2400" dirty="0">
+                <a:solidFill>
+                  <a:srgbClr val="000066"/>
+                </a:solidFill>
+                <a:effectLst/>
+                <a:latin typeface="Helvetica" pitchFamily="2" charset="0"/>
+              </a:rPr>
+              <a:t>Arthur and </a:t>
+            </a:r>
+            <a:r>
+              <a:rPr lang="en-GB" sz="2400" dirty="0" err="1">
+                <a:solidFill>
+                  <a:srgbClr val="000066"/>
+                </a:solidFill>
+                <a:effectLst/>
+                <a:latin typeface="Helvetica" pitchFamily="2" charset="0"/>
+              </a:rPr>
+              <a:t>Vassilvitskii</a:t>
+            </a:r>
+            <a:r>
+              <a:rPr lang="en-GB" sz="2400" dirty="0">
+                <a:solidFill>
+                  <a:srgbClr val="000066"/>
+                </a:solidFill>
+                <a:effectLst/>
+                <a:latin typeface="Helvetica" pitchFamily="2" charset="0"/>
+              </a:rPr>
+              <a:t>, 2006</a:t>
+            </a:r>
+            <a:r>
+              <a:rPr lang="en-GB" sz="2400" dirty="0">
+                <a:effectLst/>
+                <a:latin typeface="Helvetica" pitchFamily="2" charset="0"/>
+              </a:rPr>
+              <a:t>): </a:t>
+            </a:r>
+          </a:p>
+          <a:p>
+            <a:pPr lvl="1"/>
+            <a:r>
+              <a:rPr lang="en-GB" sz="2000" dirty="0">
+                <a:latin typeface="Helvetica" pitchFamily="2" charset="0"/>
+              </a:rPr>
+              <a:t>R</a:t>
+            </a:r>
+            <a:r>
+              <a:rPr lang="en-GB" sz="2000" dirty="0">
+                <a:effectLst/>
+                <a:latin typeface="Helvetica" pitchFamily="2" charset="0"/>
+              </a:rPr>
+              <a:t>epresent features available to an e-mail spam detection system</a:t>
+            </a:r>
+          </a:p>
+          <a:p>
+            <a:pPr lvl="1"/>
+            <a:r>
+              <a:rPr lang="en-GB" sz="2000" dirty="0">
+                <a:effectLst/>
+                <a:latin typeface="Helvetica" pitchFamily="2" charset="0"/>
+              </a:rPr>
+              <a:t>4601 data points (1813 and 2788 points in spam and non-spam classes respectively).</a:t>
+            </a:r>
+            <a:endParaRPr lang="en-GB" sz="2000" dirty="0">
+              <a:latin typeface="Helvetica" pitchFamily="2" charset="0"/>
+            </a:endParaRPr>
+          </a:p>
+          <a:p>
+            <a:pPr marL="0" indent="0">
+              <a:buNone/>
+            </a:pPr>
+            <a:br>
+              <a:rPr lang="en-GB" sz="2400" dirty="0">
+                <a:latin typeface="Helvetica" pitchFamily="2" charset="0"/>
+              </a:rPr>
+            </a:br>
+            <a:br>
+              <a:rPr lang="en-GB" sz="2400" dirty="0">
+                <a:latin typeface="Helvetica" pitchFamily="2" charset="0"/>
+              </a:rPr>
+            </a:br>
+            <a:endParaRPr lang="en-GB" sz="2400" dirty="0">
+              <a:latin typeface="Helvetica" pitchFamily="2" charset="0"/>
+            </a:endParaRPr>
+          </a:p>
+          <a:p>
+            <a:endParaRPr lang="en-PK" sz="2400" dirty="0">
               <a:latin typeface="Helvetica" pitchFamily="2" charset="0"/>
             </a:endParaRPr>
           </a:p>
@@ -4373,7 +4273,7 @@
     </p:spTree>
     <p:extLst>
       <p:ext uri="{BB962C8B-B14F-4D97-AF65-F5344CB8AC3E}">
-        <p14:creationId xmlns:p14="http://schemas.microsoft.com/office/powerpoint/2010/main" val="1672687993"/>
+        <p14:creationId xmlns:p14="http://schemas.microsoft.com/office/powerpoint/2010/main" val="4239542753"/>
       </p:ext>
     </p:extLst>
   </p:cSld>
@@ -4486,7 +4386,7 @@
               <a:rPr lang="en-GB" dirty="0">
                 <a:latin typeface="Helvetica" pitchFamily="2" charset="0"/>
               </a:rPr>
-              <a:t>Random Initialization method: </a:t>
+              <a:t>Random Initialization method</a:t>
             </a:r>
           </a:p>
           <a:p>
@@ -4527,19 +4427,7 @@
               <a:rPr lang="en-GB" dirty="0">
                 <a:latin typeface="Helvetica" pitchFamily="2" charset="0"/>
               </a:rPr>
-              <a:t>Wilks </a:t>
-            </a:r>
-            <a:r>
-              <a:rPr lang="en-GB" dirty="0" err="1">
-                <a:latin typeface="Helvetica" pitchFamily="2" charset="0"/>
-              </a:rPr>
-              <a:t>lamda</a:t>
-            </a:r>
-            <a:r>
-              <a:rPr lang="en-GB" dirty="0">
-                <a:latin typeface="Helvetica" pitchFamily="2" charset="0"/>
-              </a:rPr>
-              <a:t> of 0.97</a:t>
+              <a:t>Wilks lambda of 0.97</a:t>
             </a:r>
             <a:endParaRPr lang="en-PK" dirty="0">
               <a:latin typeface="Helvetica" pitchFamily="2" charset="0"/>
@@ -5830,14 +5718,14 @@
             <p:ph idx="1"/>
             <p:extLst>
               <p:ext uri="{D42A27DB-BD31-4B8C-83A1-F6EECF244321}">
-                <p14:modId xmlns:p14="http://schemas.microsoft.com/office/powerpoint/2010/main" val="3865652404"/>
+                <p14:modId xmlns:p14="http://schemas.microsoft.com/office/powerpoint/2010/main" val="2258934328"/>
               </p:ext>
             </p:extLst>
           </p:nvPr>
         </p:nvGraphicFramePr>
         <p:xfrm>
-          <a:off x="838200" y="1825625"/>
-          <a:ext cx="10515600" cy="4525747"/>
+          <a:off x="838200" y="1825624"/>
+          <a:ext cx="10515600" cy="4539549"/>
         </p:xfrm>
         <a:graphic>
           <a:graphicData uri="http://schemas.openxmlformats.org/drawingml/2006/table">
@@ -5868,7 +5756,7 @@
                   </a:extLst>
                 </a:gridCol>
               </a:tblGrid>
-              <a:tr h="394359">
+              <a:tr h="423063">
                 <a:tc>
                   <a:txBody>
                     <a:bodyPr/>
@@ -5941,7 +5829,7 @@
                   </a:ext>
                 </a:extLst>
               </a:tr>
-              <a:tr h="1577438">
+              <a:tr h="1376640">
                 <a:tc>
                   <a:txBody>
                     <a:bodyPr/>
@@ -6014,7 +5902,7 @@
                   </a:ext>
                 </a:extLst>
               </a:tr>
-              <a:tr h="1276975">
+              <a:tr h="1369923">
                 <a:tc>
                   <a:txBody>
                     <a:bodyPr/>
@@ -6087,7 +5975,7 @@
                   </a:ext>
                 </a:extLst>
               </a:tr>
-              <a:tr h="1276975">
+              <a:tr h="1369923">
                 <a:tc>
                   <a:txBody>
                     <a:bodyPr/>
@@ -6199,7 +6087,7 @@
           <p:cNvPr id="2" name="Title 1">
             <a:extLst>
               <a:ext uri="{FF2B5EF4-FFF2-40B4-BE49-F238E27FC236}">
-                <a16:creationId xmlns:a16="http://schemas.microsoft.com/office/drawing/2014/main" id="{42A1EDE3-6FDF-D12B-5E08-23A36BA8D1C6}"/>
+                <a16:creationId xmlns:a16="http://schemas.microsoft.com/office/drawing/2014/main" id="{89E1AAB2-AAFF-60E4-7CDD-15CE5A233064}"/>
               </a:ext>
             </a:extLst>
           </p:cNvPr>
@@ -6220,7 +6108,7 @@
                 <a:effectLst/>
                 <a:latin typeface="Helvetica" pitchFamily="2" charset="0"/>
               </a:rPr>
-              <a:t>The Murat et al. (2011) Algorithm</a:t>
+              <a:t>Assessment Metrics</a:t>
             </a:r>
             <a:endParaRPr lang="en-PK" dirty="0">
               <a:latin typeface="Helvetica" pitchFamily="2" charset="0"/>
@@ -6233,7 +6121,7 @@
           <p:cNvPr id="3" name="Content Placeholder 2">
             <a:extLst>
               <a:ext uri="{FF2B5EF4-FFF2-40B4-BE49-F238E27FC236}">
-                <a16:creationId xmlns:a16="http://schemas.microsoft.com/office/drawing/2014/main" id="{F3813990-BD4E-36A9-2E01-A0D33FC506AB}"/>
+                <a16:creationId xmlns:a16="http://schemas.microsoft.com/office/drawing/2014/main" id="{AD80B4E4-9A41-3638-0158-52419CD73955}"/>
               </a:ext>
             </a:extLst>
           </p:cNvPr>
@@ -6248,16 +6136,204 @@
         <p:txBody>
           <a:bodyPr/>
           <a:lstStyle/>
+          <a:p>
+            <a:pPr marL="0" indent="0" algn="l">
+              <a:buNone/>
+            </a:pPr>
+            <a:endParaRPr lang="en-GB" b="1" i="0" dirty="0">
+              <a:effectLst/>
+              <a:latin typeface="Helvetica" pitchFamily="2" charset="0"/>
+            </a:endParaRPr>
+          </a:p>
+          <a:p>
+            <a:pPr marL="0" indent="0" algn="l">
+              <a:buNone/>
+            </a:pPr>
+            <a:r>
+              <a:rPr lang="en-GB" b="1" i="0" dirty="0">
+                <a:effectLst/>
+                <a:latin typeface="Helvetica" pitchFamily="2" charset="0"/>
+              </a:rPr>
+              <a:t>Error Percentage:</a:t>
+            </a:r>
+            <a:r>
+              <a:rPr lang="en-GB" b="0" i="0" dirty="0">
+                <a:effectLst/>
+                <a:latin typeface="Helvetica" pitchFamily="2" charset="0"/>
+              </a:rPr>
+              <a:t> Measures the proportion of misclassified data points. Lower is better.</a:t>
+            </a:r>
+          </a:p>
           <a:p>
             <a:pPr algn="l">
               <a:buFont typeface="Arial" panose="020B0604020202020204" pitchFamily="34" charset="0"/>
               <a:buChar char="•"/>
             </a:pPr>
+            <a:endParaRPr lang="en-GB" b="1" i="0" dirty="0">
+              <a:effectLst/>
+              <a:latin typeface="Helvetica" pitchFamily="2" charset="0"/>
+            </a:endParaRPr>
+          </a:p>
+          <a:p>
+            <a:pPr marL="0" indent="0" algn="l">
+              <a:buNone/>
+            </a:pPr>
             <a:r>
               <a:rPr lang="en-GB" b="1" i="0" dirty="0">
                 <a:effectLst/>
                 <a:latin typeface="Helvetica" pitchFamily="2" charset="0"/>
               </a:rPr>
+              <a:t>Rand Index:</a:t>
+            </a:r>
+            <a:r>
+              <a:rPr lang="en-GB" b="0" i="0" dirty="0">
+                <a:effectLst/>
+                <a:latin typeface="Helvetica" pitchFamily="2" charset="0"/>
+              </a:rPr>
+              <a:t> Compares the agreement between created clusters and known true clusters. </a:t>
+            </a:r>
+            <a:r>
+              <a:rPr lang="en-GB" dirty="0">
+                <a:latin typeface="Helvetica" pitchFamily="2" charset="0"/>
+              </a:rPr>
+              <a:t>Higher is</a:t>
+            </a:r>
+            <a:r>
+              <a:rPr lang="en-GB" b="0" i="0" dirty="0">
+                <a:effectLst/>
+                <a:latin typeface="Helvetica" pitchFamily="2" charset="0"/>
+              </a:rPr>
+              <a:t> better.</a:t>
+            </a:r>
+          </a:p>
+          <a:p>
+            <a:pPr marL="0" indent="0" algn="l">
+              <a:buNone/>
+            </a:pPr>
+            <a:endParaRPr lang="en-GB" b="1" i="0" dirty="0">
+              <a:effectLst/>
+              <a:latin typeface="Helvetica" pitchFamily="2" charset="0"/>
+            </a:endParaRPr>
+          </a:p>
+          <a:p>
+            <a:pPr marL="0" indent="0" algn="l">
+              <a:buNone/>
+            </a:pPr>
+            <a:r>
+              <a:rPr lang="en-GB" b="1" i="0" dirty="0">
+                <a:effectLst/>
+                <a:latin typeface="Helvetica" pitchFamily="2" charset="0"/>
+              </a:rPr>
+              <a:t>Wilks' Lambda:</a:t>
+            </a:r>
+            <a:r>
+              <a:rPr lang="en-GB" b="0" i="0" dirty="0">
+                <a:effectLst/>
+                <a:latin typeface="Helvetica" pitchFamily="2" charset="0"/>
+              </a:rPr>
+              <a:t> Demonstrates the statistical distinctness of the clusters. Lower values indicate well-separated clusters.</a:t>
+            </a:r>
+          </a:p>
+          <a:p>
+            <a:endParaRPr lang="en-PK" dirty="0">
+              <a:latin typeface="Helvetica" pitchFamily="2" charset="0"/>
+            </a:endParaRPr>
+          </a:p>
+        </p:txBody>
+      </p:sp>
+    </p:spTree>
+    <p:extLst>
+      <p:ext uri="{BB962C8B-B14F-4D97-AF65-F5344CB8AC3E}">
+        <p14:creationId xmlns:p14="http://schemas.microsoft.com/office/powerpoint/2010/main" val="1672687993"/>
+      </p:ext>
+    </p:extLst>
+  </p:cSld>
+  <p:clrMapOvr>
+    <a:masterClrMapping/>
+  </p:clrMapOvr>
+</p:sld>
+</file>
+
+<file path=ppt/slides/slide7.xml><?xml version="1.0" encoding="utf-8"?>
+<p:sld xmlns:a="http://schemas.openxmlformats.org/drawingml/2006/main" xmlns:r="http://schemas.openxmlformats.org/officeDocument/2006/relationships" xmlns:p="http://schemas.openxmlformats.org/presentationml/2006/main">
+  <p:cSld>
+    <p:spTree>
+      <p:nvGrpSpPr>
+        <p:cNvPr id="1" name=""/>
+        <p:cNvGrpSpPr/>
+        <p:nvPr/>
+      </p:nvGrpSpPr>
+      <p:grpSpPr>
+        <a:xfrm>
+          <a:off x="0" y="0"/>
+          <a:ext cx="0" cy="0"/>
+          <a:chOff x="0" y="0"/>
+          <a:chExt cx="0" cy="0"/>
+        </a:xfrm>
+      </p:grpSpPr>
+      <p:sp>
+        <p:nvSpPr>
+          <p:cNvPr id="2" name="Title 1">
+            <a:extLst>
+              <a:ext uri="{FF2B5EF4-FFF2-40B4-BE49-F238E27FC236}">
+                <a16:creationId xmlns:a16="http://schemas.microsoft.com/office/drawing/2014/main" id="{42A1EDE3-6FDF-D12B-5E08-23A36BA8D1C6}"/>
+              </a:ext>
+            </a:extLst>
+          </p:cNvPr>
+          <p:cNvSpPr>
+            <a:spLocks noGrp="1"/>
+          </p:cNvSpPr>
+          <p:nvPr>
+            <p:ph type="title"/>
+          </p:nvPr>
+        </p:nvSpPr>
+        <p:spPr/>
+        <p:txBody>
+          <a:bodyPr/>
+          <a:lstStyle/>
+          <a:p>
+            <a:r>
+              <a:rPr lang="en-GB" i="0" dirty="0">
+                <a:effectLst/>
+                <a:latin typeface="Helvetica" pitchFamily="2" charset="0"/>
+              </a:rPr>
+              <a:t>The Murat et al. Algorithm</a:t>
+            </a:r>
+            <a:endParaRPr lang="en-PK" dirty="0">
+              <a:latin typeface="Helvetica" pitchFamily="2" charset="0"/>
+            </a:endParaRPr>
+          </a:p>
+        </p:txBody>
+      </p:sp>
+      <p:sp>
+        <p:nvSpPr>
+          <p:cNvPr id="3" name="Content Placeholder 2">
+            <a:extLst>
+              <a:ext uri="{FF2B5EF4-FFF2-40B4-BE49-F238E27FC236}">
+                <a16:creationId xmlns:a16="http://schemas.microsoft.com/office/drawing/2014/main" id="{F3813990-BD4E-36A9-2E01-A0D33FC506AB}"/>
+              </a:ext>
+            </a:extLst>
+          </p:cNvPr>
+          <p:cNvSpPr>
+            <a:spLocks noGrp="1"/>
+          </p:cNvSpPr>
+          <p:nvPr>
+            <p:ph idx="1"/>
+          </p:nvPr>
+        </p:nvSpPr>
+        <p:spPr/>
+        <p:txBody>
+          <a:bodyPr/>
+          <a:lstStyle/>
+          <a:p>
+            <a:pPr marL="0" indent="0" algn="l">
+              <a:buNone/>
+            </a:pPr>
+            <a:r>
+              <a:rPr lang="en-GB" b="1" i="0" dirty="0">
+                <a:effectLst/>
+                <a:latin typeface="Helvetica" pitchFamily="2" charset="0"/>
+              </a:rPr>
               <a:t>Main Axis &amp; Second Axis:</a:t>
             </a:r>
             <a:r>
@@ -6269,9 +6345,17 @@
             </a:r>
           </a:p>
           <a:p>
-            <a:pPr algn="l">
-              <a:buFont typeface="Arial" panose="020B0604020202020204" pitchFamily="34" charset="0"/>
-              <a:buChar char="•"/>
+            <a:pPr marL="0" indent="0" algn="l">
+              <a:buNone/>
+            </a:pPr>
+            <a:endParaRPr lang="en-GB" b="1" i="0" dirty="0">
+              <a:effectLst/>
+              <a:latin typeface="Helvetica" pitchFamily="2" charset="0"/>
+            </a:endParaRPr>
+          </a:p>
+          <a:p>
+            <a:pPr marL="0" indent="0" algn="l">
+              <a:buNone/>
             </a:pPr>
             <a:r>
               <a:rPr lang="en-GB" b="1" i="0" dirty="0">
@@ -6314,9 +6398,17 @@
             </a:endParaRPr>
           </a:p>
           <a:p>
-            <a:pPr algn="l">
-              <a:buFont typeface="Arial" panose="020B0604020202020204" pitchFamily="34" charset="0"/>
-              <a:buChar char="•"/>
+            <a:pPr marL="0" indent="0" algn="l">
+              <a:buNone/>
+            </a:pPr>
+            <a:endParaRPr lang="en-GB" b="1" i="0" dirty="0">
+              <a:effectLst/>
+              <a:latin typeface="Helvetica" pitchFamily="2" charset="0"/>
+            </a:endParaRPr>
+          </a:p>
+          <a:p>
+            <a:pPr marL="0" indent="0" algn="l">
+              <a:buNone/>
             </a:pPr>
             <a:r>
               <a:rPr lang="en-GB" b="1" i="0" dirty="0">
@@ -6381,7 +6473,7 @@
 </p:sld>
 </file>
 
-<file path=ppt/slides/slide7.xml><?xml version="1.0" encoding="utf-8"?>
+<file path=ppt/slides/slide8.xml><?xml version="1.0" encoding="utf-8"?>
 <p:sld xmlns:a="http://schemas.openxmlformats.org/drawingml/2006/main" xmlns:r="http://schemas.openxmlformats.org/officeDocument/2006/relationships" xmlns:p="http://schemas.openxmlformats.org/presentationml/2006/main">
   <p:cSld>
     <p:spTree>
@@ -6470,7 +6562,7 @@
 </p:sld>
 </file>
 
-<file path=ppt/slides/slide8.xml><?xml version="1.0" encoding="utf-8"?>
+<file path=ppt/slides/slide9.xml><?xml version="1.0" encoding="utf-8"?>
 <p:sld xmlns:a="http://schemas.openxmlformats.org/drawingml/2006/main" xmlns:r="http://schemas.openxmlformats.org/officeDocument/2006/relationships" xmlns:p="http://schemas.openxmlformats.org/presentationml/2006/main">
   <p:cSld>
     <p:spTree>
@@ -6550,95 +6642,6 @@
     <p:extLst>
       <p:ext uri="{BB962C8B-B14F-4D97-AF65-F5344CB8AC3E}">
         <p14:creationId xmlns:p14="http://schemas.microsoft.com/office/powerpoint/2010/main" val="1370774123"/>
-      </p:ext>
-    </p:extLst>
-  </p:cSld>
-  <p:clrMapOvr>
-    <a:masterClrMapping/>
-  </p:clrMapOvr>
-</p:sld>
-</file>
-
-<file path=ppt/slides/slide9.xml><?xml version="1.0" encoding="utf-8"?>
-<p:sld xmlns:a="http://schemas.openxmlformats.org/drawingml/2006/main" xmlns:r="http://schemas.openxmlformats.org/officeDocument/2006/relationships" xmlns:p="http://schemas.openxmlformats.org/presentationml/2006/main">
-  <p:cSld>
-    <p:spTree>
-      <p:nvGrpSpPr>
-        <p:cNvPr id="1" name=""/>
-        <p:cNvGrpSpPr/>
-        <p:nvPr/>
-      </p:nvGrpSpPr>
-      <p:grpSpPr>
-        <a:xfrm>
-          <a:off x="0" y="0"/>
-          <a:ext cx="0" cy="0"/>
-          <a:chOff x="0" y="0"/>
-          <a:chExt cx="0" cy="0"/>
-        </a:xfrm>
-      </p:grpSpPr>
-      <p:sp>
-        <p:nvSpPr>
-          <p:cNvPr id="2" name="Title 1">
-            <a:extLst>
-              <a:ext uri="{FF2B5EF4-FFF2-40B4-BE49-F238E27FC236}">
-                <a16:creationId xmlns:a16="http://schemas.microsoft.com/office/drawing/2014/main" id="{808FE490-C47A-150B-F34A-B1F74EAB10A9}"/>
-              </a:ext>
-            </a:extLst>
-          </p:cNvPr>
-          <p:cNvSpPr>
-            <a:spLocks noGrp="1"/>
-          </p:cNvSpPr>
-          <p:nvPr>
-            <p:ph type="title"/>
-          </p:nvPr>
-        </p:nvSpPr>
-        <p:spPr/>
-        <p:txBody>
-          <a:bodyPr/>
-          <a:lstStyle/>
-          <a:p>
-            <a:r>
-              <a:rPr lang="en-PK" dirty="0">
-                <a:latin typeface="Helvetica" pitchFamily="2" charset="0"/>
-              </a:rPr>
-              <a:t>Second Axis</a:t>
-            </a:r>
-          </a:p>
-        </p:txBody>
-      </p:sp>
-      <p:pic>
-        <p:nvPicPr>
-          <p:cNvPr id="5" name="Content Placeholder 4">
-            <a:extLst>
-              <a:ext uri="{FF2B5EF4-FFF2-40B4-BE49-F238E27FC236}">
-                <a16:creationId xmlns:a16="http://schemas.microsoft.com/office/drawing/2014/main" id="{B63A8244-1889-A275-CB67-8AAD976438D4}"/>
-              </a:ext>
-            </a:extLst>
-          </p:cNvPr>
-          <p:cNvPicPr>
-            <a:picLocks noGrp="1" noChangeAspect="1"/>
-          </p:cNvPicPr>
-          <p:nvPr>
-            <p:ph idx="1"/>
-          </p:nvPr>
-        </p:nvPicPr>
-        <p:blipFill>
-          <a:blip r:embed="rId2"/>
-          <a:stretch>
-            <a:fillRect/>
-          </a:stretch>
-        </p:blipFill>
-        <p:spPr>
-          <a:xfrm>
-            <a:off x="2335427" y="1825625"/>
-            <a:ext cx="6820930" cy="4351338"/>
-          </a:xfrm>
-        </p:spPr>
-      </p:pic>
-    </p:spTree>
-    <p:extLst>
-      <p:ext uri="{BB962C8B-B14F-4D97-AF65-F5344CB8AC3E}">
-        <p14:creationId xmlns:p14="http://schemas.microsoft.com/office/powerpoint/2010/main" val="3697007121"/>
       </p:ext>
     </p:extLst>
   </p:cSld>
